--- a/presentation/презентаха.pptx
+++ b/presentation/презентаха.pptx
@@ -116,6 +116,11 @@
       </a:defRPr>
     </a:lvl9pPr>
   </p:defaultTextStyle>
+  <p:extLst>
+    <p:ext uri="{EFAFB233-063F-42B5-8137-9DF3F51BA10A}">
+      <p15:sldGuideLst xmlns:p15="http://schemas.microsoft.com/office/powerpoint/2012/main"/>
+    </p:ext>
+  </p:extLst>
 </p:presentation>
 </file>
 
@@ -201,7 +206,7 @@
           <a:p>
             <a:fld id="{394D9091-A27D-410F-8FF5-83EA8F1BD4EB}" type="datetimeFigureOut">
               <a:rPr lang="en-US" smtClean="0"/>
-              <a:t>6/7/2016</a:t>
+              <a:t>6/8/2016</a:t>
             </a:fld>
             <a:endParaRPr lang="en-US"/>
           </a:p>
@@ -684,7 +689,7 @@
           <a:p>
             <a:fld id="{B856C7BD-C9D2-4A57-9DD9-A39B2C9C2A82}" type="datetimeFigureOut">
               <a:rPr lang="en-US" smtClean="0"/>
-              <a:t>6/7/2016</a:t>
+              <a:t>6/8/2016</a:t>
             </a:fld>
             <a:endParaRPr lang="en-US"/>
           </a:p>
@@ -854,7 +859,7 @@
           <a:p>
             <a:fld id="{B856C7BD-C9D2-4A57-9DD9-A39B2C9C2A82}" type="datetimeFigureOut">
               <a:rPr lang="en-US" smtClean="0"/>
-              <a:t>6/7/2016</a:t>
+              <a:t>6/8/2016</a:t>
             </a:fld>
             <a:endParaRPr lang="en-US"/>
           </a:p>
@@ -1034,7 +1039,7 @@
           <a:p>
             <a:fld id="{B856C7BD-C9D2-4A57-9DD9-A39B2C9C2A82}" type="datetimeFigureOut">
               <a:rPr lang="en-US" smtClean="0"/>
-              <a:t>6/7/2016</a:t>
+              <a:t>6/8/2016</a:t>
             </a:fld>
             <a:endParaRPr lang="en-US"/>
           </a:p>
@@ -1204,7 +1209,7 @@
           <a:p>
             <a:fld id="{B856C7BD-C9D2-4A57-9DD9-A39B2C9C2A82}" type="datetimeFigureOut">
               <a:rPr lang="en-US" smtClean="0"/>
-              <a:t>6/7/2016</a:t>
+              <a:t>6/8/2016</a:t>
             </a:fld>
             <a:endParaRPr lang="en-US"/>
           </a:p>
@@ -1450,7 +1455,7 @@
           <a:p>
             <a:fld id="{B856C7BD-C9D2-4A57-9DD9-A39B2C9C2A82}" type="datetimeFigureOut">
               <a:rPr lang="en-US" smtClean="0"/>
-              <a:t>6/7/2016</a:t>
+              <a:t>6/8/2016</a:t>
             </a:fld>
             <a:endParaRPr lang="en-US"/>
           </a:p>
@@ -1682,7 +1687,7 @@
           <a:p>
             <a:fld id="{B856C7BD-C9D2-4A57-9DD9-A39B2C9C2A82}" type="datetimeFigureOut">
               <a:rPr lang="en-US" smtClean="0"/>
-              <a:t>6/7/2016</a:t>
+              <a:t>6/8/2016</a:t>
             </a:fld>
             <a:endParaRPr lang="en-US"/>
           </a:p>
@@ -2049,7 +2054,7 @@
           <a:p>
             <a:fld id="{B856C7BD-C9D2-4A57-9DD9-A39B2C9C2A82}" type="datetimeFigureOut">
               <a:rPr lang="en-US" smtClean="0"/>
-              <a:t>6/7/2016</a:t>
+              <a:t>6/8/2016</a:t>
             </a:fld>
             <a:endParaRPr lang="en-US"/>
           </a:p>
@@ -2167,7 +2172,7 @@
           <a:p>
             <a:fld id="{B856C7BD-C9D2-4A57-9DD9-A39B2C9C2A82}" type="datetimeFigureOut">
               <a:rPr lang="en-US" smtClean="0"/>
-              <a:t>6/7/2016</a:t>
+              <a:t>6/8/2016</a:t>
             </a:fld>
             <a:endParaRPr lang="en-US"/>
           </a:p>
@@ -2262,7 +2267,7 @@
           <a:p>
             <a:fld id="{B856C7BD-C9D2-4A57-9DD9-A39B2C9C2A82}" type="datetimeFigureOut">
               <a:rPr lang="en-US" smtClean="0"/>
-              <a:t>6/7/2016</a:t>
+              <a:t>6/8/2016</a:t>
             </a:fld>
             <a:endParaRPr lang="en-US"/>
           </a:p>
@@ -2539,7 +2544,7 @@
           <a:p>
             <a:fld id="{B856C7BD-C9D2-4A57-9DD9-A39B2C9C2A82}" type="datetimeFigureOut">
               <a:rPr lang="en-US" smtClean="0"/>
-              <a:t>6/7/2016</a:t>
+              <a:t>6/8/2016</a:t>
             </a:fld>
             <a:endParaRPr lang="en-US"/>
           </a:p>
@@ -2792,7 +2797,7 @@
           <a:p>
             <a:fld id="{B856C7BD-C9D2-4A57-9DD9-A39B2C9C2A82}" type="datetimeFigureOut">
               <a:rPr lang="en-US" smtClean="0"/>
-              <a:t>6/7/2016</a:t>
+              <a:t>6/8/2016</a:t>
             </a:fld>
             <a:endParaRPr lang="en-US"/>
           </a:p>
@@ -3005,7 +3010,7 @@
           <a:p>
             <a:fld id="{B856C7BD-C9D2-4A57-9DD9-A39B2C9C2A82}" type="datetimeFigureOut">
               <a:rPr lang="en-US" smtClean="0"/>
-              <a:t>6/7/2016</a:t>
+              <a:t>6/8/2016</a:t>
             </a:fld>
             <a:endParaRPr lang="en-US"/>
           </a:p>
@@ -4205,13 +4210,22 @@
           </a:lstStyle>
           <a:p>
             <a:r>
-              <a:rPr lang="ru-RU" sz="2400" b="1" dirty="0" smtClean="0">
+              <a:rPr lang="ru-RU" sz="2400" b="1" smtClean="0">
                 <a:solidFill>
                   <a:srgbClr val="464547"/>
                 </a:solidFill>
                 <a:latin typeface="Arial Black" panose="020B0A04020102020204" pitchFamily="34" charset="0"/>
               </a:rPr>
-              <a:t>ЗАЧЕМ РАЗРАБАТЫВАТЬ ПОДОБНУЮ СИСТЕМУ?</a:t>
+              <a:t>АКТУАЛЬНОСТЬ </a:t>
+            </a:r>
+            <a:r>
+              <a:rPr lang="ru-RU" sz="2400" b="1" dirty="0" smtClean="0">
+                <a:solidFill>
+                  <a:srgbClr val="464547"/>
+                </a:solidFill>
+                <a:latin typeface="Arial Black" panose="020B0A04020102020204" pitchFamily="34" charset="0"/>
+              </a:rPr>
+              <a:t>РАБОТЫ</a:t>
             </a:r>
             <a:endParaRPr lang="en-US" sz="2400" dirty="0">
               <a:solidFill>
@@ -5341,7 +5355,7 @@
                 </a:solidFill>
                 <a:latin typeface="Trebuchet MS" panose="020B0603020202020204" pitchFamily="34" charset="0"/>
               </a:rPr>
-              <a:t>Разработать систему многокритериального поиска территориально-распределённых объектов</a:t>
+              <a:t>Разработать систему многокритериального поиска территориально-распределённых сервисов</a:t>
             </a:r>
             <a:endParaRPr lang="ru-RU" sz="2000" dirty="0">
               <a:solidFill>
@@ -5753,7 +5767,7 @@
                 </a:solidFill>
                 <a:latin typeface="Arial Black" panose="020B0A04020102020204" pitchFamily="34" charset="0"/>
               </a:rPr>
-              <a:t>ЧТО ДЕЛАЕТ СИСТЕМА?</a:t>
+              <a:t>ВОЗМОЖНОСТИ СИСТЕМЫ</a:t>
             </a:r>
             <a:endParaRPr lang="en-US" sz="2400" dirty="0">
               <a:solidFill>
